--- a/JP-PINT-BIS/Specifications/210928 JPrule (EN) .pptx
+++ b/JP-PINT-BIS/Specifications/210928 JPrule (EN) .pptx
@@ -240,7 +240,7 @@
           <a:p>
             <a:fld id="{20FB63DF-E160-42EB-8E2B-592BF8341029}" type="datetimeFigureOut">
               <a:rPr kumimoji="1" lang="ja-JP" altLang="en-US" smtClean="0"/>
-              <a:t>2021/10/5</a:t>
+              <a:t>2021/10/19</a:t>
             </a:fld>
             <a:endParaRPr kumimoji="1" lang="ja-JP" altLang="en-US"/>
           </a:p>
@@ -417,7 +417,7 @@
           <a:p>
             <a:fld id="{6014164F-1AF4-4168-B424-02521B930000}" type="datetimeFigureOut">
               <a:rPr kumimoji="1" lang="ja-JP" altLang="en-US" smtClean="0"/>
-              <a:t>2021/10/5</a:t>
+              <a:t>2021/10/19</a:t>
             </a:fld>
             <a:endParaRPr kumimoji="1" lang="ja-JP" altLang="en-US"/>
           </a:p>
